--- a/machine learning.pptx
+++ b/machine learning.pptx
@@ -11,16 +11,17 @@
     <p:sldId id="261" r:id="rId5"/>
     <p:sldId id="277" r:id="rId6"/>
     <p:sldId id="260" r:id="rId7"/>
-    <p:sldId id="262" r:id="rId8"/>
-    <p:sldId id="264" r:id="rId9"/>
-    <p:sldId id="265" r:id="rId10"/>
-    <p:sldId id="266" r:id="rId11"/>
-    <p:sldId id="268" r:id="rId12"/>
-    <p:sldId id="269" r:id="rId13"/>
-    <p:sldId id="270" r:id="rId14"/>
-    <p:sldId id="271" r:id="rId15"/>
-    <p:sldId id="273" r:id="rId16"/>
-    <p:sldId id="275" r:id="rId17"/>
+    <p:sldId id="278" r:id="rId8"/>
+    <p:sldId id="262" r:id="rId9"/>
+    <p:sldId id="264" r:id="rId10"/>
+    <p:sldId id="265" r:id="rId11"/>
+    <p:sldId id="266" r:id="rId12"/>
+    <p:sldId id="268" r:id="rId13"/>
+    <p:sldId id="269" r:id="rId14"/>
+    <p:sldId id="270" r:id="rId15"/>
+    <p:sldId id="271" r:id="rId16"/>
+    <p:sldId id="273" r:id="rId17"/>
+    <p:sldId id="275" r:id="rId18"/>
   </p:sldIdLst>
   <p:sldSz cx="12192000" cy="6858000"/>
   <p:notesSz cx="6858000" cy="9144000"/>
@@ -286,7 +287,7 @@
           <a:p>
             <a:fld id="{E205F10A-031C-408D-8123-95C36C46A1EB}" type="datetimeFigureOut">
               <a:rPr lang="zh-CN" altLang="en-US" smtClean="0"/>
-              <a:t>2025/1/11</a:t>
+              <a:t>2025/1/12</a:t>
             </a:fld>
             <a:endParaRPr lang="zh-CN" altLang="en-US"/>
           </a:p>
@@ -484,7 +485,7 @@
           <a:p>
             <a:fld id="{E205F10A-031C-408D-8123-95C36C46A1EB}" type="datetimeFigureOut">
               <a:rPr lang="zh-CN" altLang="en-US" smtClean="0"/>
-              <a:t>2025/1/11</a:t>
+              <a:t>2025/1/12</a:t>
             </a:fld>
             <a:endParaRPr lang="zh-CN" altLang="en-US"/>
           </a:p>
@@ -692,7 +693,7 @@
           <a:p>
             <a:fld id="{E205F10A-031C-408D-8123-95C36C46A1EB}" type="datetimeFigureOut">
               <a:rPr lang="zh-CN" altLang="en-US" smtClean="0"/>
-              <a:t>2025/1/11</a:t>
+              <a:t>2025/1/12</a:t>
             </a:fld>
             <a:endParaRPr lang="zh-CN" altLang="en-US"/>
           </a:p>
@@ -890,7 +891,7 @@
           <a:p>
             <a:fld id="{E205F10A-031C-408D-8123-95C36C46A1EB}" type="datetimeFigureOut">
               <a:rPr lang="zh-CN" altLang="en-US" smtClean="0"/>
-              <a:t>2025/1/11</a:t>
+              <a:t>2025/1/12</a:t>
             </a:fld>
             <a:endParaRPr lang="zh-CN" altLang="en-US"/>
           </a:p>
@@ -1165,7 +1166,7 @@
           <a:p>
             <a:fld id="{E205F10A-031C-408D-8123-95C36C46A1EB}" type="datetimeFigureOut">
               <a:rPr lang="zh-CN" altLang="en-US" smtClean="0"/>
-              <a:t>2025/1/11</a:t>
+              <a:t>2025/1/12</a:t>
             </a:fld>
             <a:endParaRPr lang="zh-CN" altLang="en-US"/>
           </a:p>
@@ -1430,7 +1431,7 @@
           <a:p>
             <a:fld id="{E205F10A-031C-408D-8123-95C36C46A1EB}" type="datetimeFigureOut">
               <a:rPr lang="zh-CN" altLang="en-US" smtClean="0"/>
-              <a:t>2025/1/11</a:t>
+              <a:t>2025/1/12</a:t>
             </a:fld>
             <a:endParaRPr lang="zh-CN" altLang="en-US"/>
           </a:p>
@@ -1842,7 +1843,7 @@
           <a:p>
             <a:fld id="{E205F10A-031C-408D-8123-95C36C46A1EB}" type="datetimeFigureOut">
               <a:rPr lang="zh-CN" altLang="en-US" smtClean="0"/>
-              <a:t>2025/1/11</a:t>
+              <a:t>2025/1/12</a:t>
             </a:fld>
             <a:endParaRPr lang="zh-CN" altLang="en-US"/>
           </a:p>
@@ -1983,7 +1984,7 @@
           <a:p>
             <a:fld id="{E205F10A-031C-408D-8123-95C36C46A1EB}" type="datetimeFigureOut">
               <a:rPr lang="zh-CN" altLang="en-US" smtClean="0"/>
-              <a:t>2025/1/11</a:t>
+              <a:t>2025/1/12</a:t>
             </a:fld>
             <a:endParaRPr lang="zh-CN" altLang="en-US"/>
           </a:p>
@@ -2096,7 +2097,7 @@
           <a:p>
             <a:fld id="{E205F10A-031C-408D-8123-95C36C46A1EB}" type="datetimeFigureOut">
               <a:rPr lang="zh-CN" altLang="en-US" smtClean="0"/>
-              <a:t>2025/1/11</a:t>
+              <a:t>2025/1/12</a:t>
             </a:fld>
             <a:endParaRPr lang="zh-CN" altLang="en-US"/>
           </a:p>
@@ -2407,7 +2408,7 @@
           <a:p>
             <a:fld id="{E205F10A-031C-408D-8123-95C36C46A1EB}" type="datetimeFigureOut">
               <a:rPr lang="zh-CN" altLang="en-US" smtClean="0"/>
-              <a:t>2025/1/11</a:t>
+              <a:t>2025/1/12</a:t>
             </a:fld>
             <a:endParaRPr lang="zh-CN" altLang="en-US"/>
           </a:p>
@@ -2695,7 +2696,7 @@
           <a:p>
             <a:fld id="{E205F10A-031C-408D-8123-95C36C46A1EB}" type="datetimeFigureOut">
               <a:rPr lang="zh-CN" altLang="en-US" smtClean="0"/>
-              <a:t>2025/1/11</a:t>
+              <a:t>2025/1/12</a:t>
             </a:fld>
             <a:endParaRPr lang="zh-CN" altLang="en-US"/>
           </a:p>
@@ -2936,7 +2937,7 @@
           <a:p>
             <a:fld id="{E205F10A-031C-408D-8123-95C36C46A1EB}" type="datetimeFigureOut">
               <a:rPr lang="zh-CN" altLang="en-US" smtClean="0"/>
-              <a:t>2025/1/11</a:t>
+              <a:t>2025/1/12</a:t>
             </a:fld>
             <a:endParaRPr lang="zh-CN" altLang="en-US"/>
           </a:p>
@@ -3452,6 +3453,155 @@
           <p:cNvPr id="2" name="标题 1">
             <a:extLst>
               <a:ext uri="{FF2B5EF4-FFF2-40B4-BE49-F238E27FC236}">
+                <a16:creationId xmlns:a16="http://schemas.microsoft.com/office/drawing/2014/main" id="{9EDE6727-A7E9-9ACC-B30B-5DFB453388F8}"/>
+              </a:ext>
+            </a:extLst>
+          </p:cNvPr>
+          <p:cNvSpPr>
+            <a:spLocks noGrp="1"/>
+          </p:cNvSpPr>
+          <p:nvPr>
+            <p:ph type="title"/>
+          </p:nvPr>
+        </p:nvSpPr>
+        <p:spPr/>
+        <p:txBody>
+          <a:bodyPr/>
+          <a:lstStyle/>
+          <a:p>
+            <a:r>
+              <a:rPr lang="en-US" altLang="zh-CN" b="1" i="0" dirty="0">
+                <a:solidFill>
+                  <a:srgbClr val="1F1F1F"/>
+                </a:solidFill>
+                <a:effectLst/>
+                <a:latin typeface="Roboto" panose="02000000000000000000" pitchFamily="2" charset="0"/>
+              </a:rPr>
+              <a:t>Dimensionality Reduction</a:t>
+            </a:r>
+            <a:br>
+              <a:rPr lang="en-US" altLang="zh-CN" b="0" i="0" dirty="0">
+                <a:solidFill>
+                  <a:srgbClr val="1F1F1F"/>
+                </a:solidFill>
+                <a:effectLst/>
+                <a:latin typeface="Roboto" panose="02000000000000000000" pitchFamily="2" charset="0"/>
+              </a:rPr>
+            </a:br>
+            <a:endParaRPr lang="zh-CN" altLang="en-US" dirty="0"/>
+          </a:p>
+        </p:txBody>
+      </p:sp>
+      <p:sp>
+        <p:nvSpPr>
+          <p:cNvPr id="3" name="内容占位符 2">
+            <a:extLst>
+              <a:ext uri="{FF2B5EF4-FFF2-40B4-BE49-F238E27FC236}">
+                <a16:creationId xmlns:a16="http://schemas.microsoft.com/office/drawing/2014/main" id="{90081D6D-DBA6-C4D7-4764-9C15BDC44BCB}"/>
+              </a:ext>
+            </a:extLst>
+          </p:cNvPr>
+          <p:cNvSpPr>
+            <a:spLocks noGrp="1"/>
+          </p:cNvSpPr>
+          <p:nvPr>
+            <p:ph idx="1"/>
+          </p:nvPr>
+        </p:nvSpPr>
+        <p:spPr/>
+        <p:txBody>
+          <a:bodyPr/>
+          <a:lstStyle/>
+          <a:p>
+            <a:r>
+              <a:rPr lang="en-US" altLang="zh-CN" dirty="0">
+                <a:solidFill>
+                  <a:srgbClr val="1F1F1F"/>
+                </a:solidFill>
+                <a:latin typeface="Roboto" panose="02000000000000000000" pitchFamily="2" charset="0"/>
+              </a:rPr>
+              <a:t>PCA3D</a:t>
+            </a:r>
+            <a:endParaRPr lang="zh-CN" altLang="en-US" dirty="0">
+              <a:solidFill>
+                <a:srgbClr val="1F1F1F"/>
+              </a:solidFill>
+              <a:latin typeface="Roboto" panose="02000000000000000000" pitchFamily="2" charset="0"/>
+            </a:endParaRPr>
+          </a:p>
+        </p:txBody>
+      </p:sp>
+      <p:pic>
+        <p:nvPicPr>
+          <p:cNvPr id="5" name="图片 4">
+            <a:extLst>
+              <a:ext uri="{FF2B5EF4-FFF2-40B4-BE49-F238E27FC236}">
+                <a16:creationId xmlns:a16="http://schemas.microsoft.com/office/drawing/2014/main" id="{C6C2E229-8F07-6616-9169-A0B3CEF0B132}"/>
+              </a:ext>
+            </a:extLst>
+          </p:cNvPr>
+          <p:cNvPicPr>
+            <a:picLocks noChangeAspect="1"/>
+          </p:cNvPicPr>
+          <p:nvPr/>
+        </p:nvPicPr>
+        <p:blipFill>
+          <a:blip r:embed="rId2">
+            <a:extLst>
+              <a:ext uri="{28A0092B-C50C-407E-A947-70E740481C1C}">
+                <a14:useLocalDpi xmlns:a14="http://schemas.microsoft.com/office/drawing/2010/main" val="0"/>
+              </a:ext>
+            </a:extLst>
+          </a:blip>
+          <a:stretch>
+            <a:fillRect/>
+          </a:stretch>
+        </p:blipFill>
+        <p:spPr>
+          <a:xfrm>
+            <a:off x="838200" y="2405882"/>
+            <a:ext cx="4650021" cy="3906018"/>
+          </a:xfrm>
+          <a:prstGeom prst="rect">
+            <a:avLst/>
+          </a:prstGeom>
+        </p:spPr>
+      </p:pic>
+    </p:spTree>
+    <p:extLst>
+      <p:ext uri="{BB962C8B-B14F-4D97-AF65-F5344CB8AC3E}">
+        <p14:creationId xmlns:p14="http://schemas.microsoft.com/office/powerpoint/2010/main" val="2566350661"/>
+      </p:ext>
+    </p:extLst>
+  </p:cSld>
+  <p:clrMapOvr>
+    <a:masterClrMapping/>
+  </p:clrMapOvr>
+</p:sld>
+</file>
+
+<file path=ppt/slides/slide11.xml><?xml version="1.0" encoding="utf-8"?>
+<p:sld xmlns:a="http://schemas.openxmlformats.org/drawingml/2006/main" xmlns:r="http://schemas.openxmlformats.org/officeDocument/2006/relationships" xmlns:p="http://schemas.openxmlformats.org/presentationml/2006/main">
+  <p:cSld>
+    <p:spTree>
+      <p:nvGrpSpPr>
+        <p:cNvPr id="1" name=""/>
+        <p:cNvGrpSpPr/>
+        <p:nvPr/>
+      </p:nvGrpSpPr>
+      <p:grpSpPr>
+        <a:xfrm>
+          <a:off x="0" y="0"/>
+          <a:ext cx="0" cy="0"/>
+          <a:chOff x="0" y="0"/>
+          <a:chExt cx="0" cy="0"/>
+        </a:xfrm>
+      </p:grpSpPr>
+      <p:sp>
+        <p:nvSpPr>
+          <p:cNvPr id="2" name="标题 1">
+            <a:extLst>
+              <a:ext uri="{FF2B5EF4-FFF2-40B4-BE49-F238E27FC236}">
                 <a16:creationId xmlns:a16="http://schemas.microsoft.com/office/drawing/2014/main" id="{C69C733D-9B77-D3D2-F11A-150B18068265}"/>
               </a:ext>
             </a:extLst>
@@ -3567,7 +3717,7 @@
 </p:sld>
 </file>
 
-<file path=ppt/slides/slide11.xml><?xml version="1.0" encoding="utf-8"?>
+<file path=ppt/slides/slide12.xml><?xml version="1.0" encoding="utf-8"?>
 <p:sld xmlns:a="http://schemas.openxmlformats.org/drawingml/2006/main" xmlns:r="http://schemas.openxmlformats.org/officeDocument/2006/relationships" xmlns:p="http://schemas.openxmlformats.org/presentationml/2006/main">
   <p:cSld>
     <p:spTree>
@@ -3721,7 +3871,7 @@
 </p:sld>
 </file>
 
-<file path=ppt/slides/slide12.xml><?xml version="1.0" encoding="utf-8"?>
+<file path=ppt/slides/slide13.xml><?xml version="1.0" encoding="utf-8"?>
 <p:sld xmlns:a="http://schemas.openxmlformats.org/drawingml/2006/main" xmlns:r="http://schemas.openxmlformats.org/officeDocument/2006/relationships" xmlns:p="http://schemas.openxmlformats.org/presentationml/2006/main">
   <p:cSld>
     <p:spTree>
@@ -3836,10 +3986,10 @@
       </p:sp>
       <p:pic>
         <p:nvPicPr>
-          <p:cNvPr id="5" name="图片 4">
-            <a:extLst>
-              <a:ext uri="{FF2B5EF4-FFF2-40B4-BE49-F238E27FC236}">
-                <a16:creationId xmlns:a16="http://schemas.microsoft.com/office/drawing/2014/main" id="{449BED42-868F-3CBC-ADEF-2291126C6148}"/>
+          <p:cNvPr id="6" name="图片 5">
+            <a:extLst>
+              <a:ext uri="{FF2B5EF4-FFF2-40B4-BE49-F238E27FC236}">
+                <a16:creationId xmlns:a16="http://schemas.microsoft.com/office/drawing/2014/main" id="{4DF19297-7BFB-6645-3206-0EAD9B3C7E87}"/>
               </a:ext>
             </a:extLst>
           </p:cNvPr>
@@ -3849,21 +3999,15 @@
           <p:nvPr/>
         </p:nvPicPr>
         <p:blipFill>
-          <a:blip r:embed="rId2">
-            <a:extLst>
-              <a:ext uri="{28A0092B-C50C-407E-A947-70E740481C1C}">
-                <a14:useLocalDpi xmlns:a14="http://schemas.microsoft.com/office/drawing/2010/main" val="0"/>
-              </a:ext>
-            </a:extLst>
-          </a:blip>
+          <a:blip r:embed="rId2"/>
           <a:stretch>
             <a:fillRect/>
           </a:stretch>
         </p:blipFill>
         <p:spPr>
           <a:xfrm>
-            <a:off x="708211" y="2674945"/>
-            <a:ext cx="7214630" cy="2194564"/>
+            <a:off x="708211" y="2514927"/>
+            <a:ext cx="8429625" cy="2514600"/>
           </a:xfrm>
           <a:prstGeom prst="rect">
             <a:avLst/>
@@ -3883,7 +4027,7 @@
 </p:sld>
 </file>
 
-<file path=ppt/slides/slide13.xml><?xml version="1.0" encoding="utf-8"?>
+<file path=ppt/slides/slide14.xml><?xml version="1.0" encoding="utf-8"?>
 <p:sld xmlns:a="http://schemas.openxmlformats.org/drawingml/2006/main" xmlns:r="http://schemas.openxmlformats.org/officeDocument/2006/relationships" xmlns:p="http://schemas.openxmlformats.org/presentationml/2006/main">
   <p:cSld>
     <p:spTree>
@@ -4023,7 +4167,7 @@
 </p:sld>
 </file>
 
-<file path=ppt/slides/slide14.xml><?xml version="1.0" encoding="utf-8"?>
+<file path=ppt/slides/slide15.xml><?xml version="1.0" encoding="utf-8"?>
 <p:sld xmlns:a="http://schemas.openxmlformats.org/drawingml/2006/main" xmlns:r="http://schemas.openxmlformats.org/officeDocument/2006/relationships" xmlns:p="http://schemas.openxmlformats.org/presentationml/2006/main">
   <p:cSld>
     <p:spTree>
@@ -4147,7 +4291,7 @@
 </p:sld>
 </file>
 
-<file path=ppt/slides/slide15.xml><?xml version="1.0" encoding="utf-8"?>
+<file path=ppt/slides/slide16.xml><?xml version="1.0" encoding="utf-8"?>
 <p:sld xmlns:a="http://schemas.openxmlformats.org/drawingml/2006/main" xmlns:r="http://schemas.openxmlformats.org/officeDocument/2006/relationships" xmlns:p="http://schemas.openxmlformats.org/presentationml/2006/main">
   <p:cSld>
     <p:spTree>
@@ -4275,7 +4419,7 @@
 </p:sld>
 </file>
 
-<file path=ppt/slides/slide16.xml><?xml version="1.0" encoding="utf-8"?>
+<file path=ppt/slides/slide17.xml><?xml version="1.0" encoding="utf-8"?>
 <p:sld xmlns:a="http://schemas.openxmlformats.org/drawingml/2006/main" xmlns:r="http://schemas.openxmlformats.org/officeDocument/2006/relationships" xmlns:p="http://schemas.openxmlformats.org/presentationml/2006/main">
   <p:cSld>
     <p:spTree>
@@ -5102,10 +5246,10 @@
       </p:sp>
       <p:pic>
         <p:nvPicPr>
-          <p:cNvPr id="5" name="图片 4">
-            <a:extLst>
-              <a:ext uri="{FF2B5EF4-FFF2-40B4-BE49-F238E27FC236}">
-                <a16:creationId xmlns:a16="http://schemas.microsoft.com/office/drawing/2014/main" id="{182DDB20-E878-1035-4D08-033FE4425A53}"/>
+          <p:cNvPr id="8" name="图片 7">
+            <a:extLst>
+              <a:ext uri="{FF2B5EF4-FFF2-40B4-BE49-F238E27FC236}">
+                <a16:creationId xmlns:a16="http://schemas.microsoft.com/office/drawing/2014/main" id="{F082CE3D-19E0-CCFA-2A53-EDEA83D25642}"/>
               </a:ext>
             </a:extLst>
           </p:cNvPr>
@@ -5122,8 +5266,8 @@
         </p:blipFill>
         <p:spPr>
           <a:xfrm>
-            <a:off x="838200" y="3124200"/>
-            <a:ext cx="11096625" cy="2438400"/>
+            <a:off x="422275" y="3423920"/>
+            <a:ext cx="11144250" cy="1685925"/>
           </a:xfrm>
           <a:prstGeom prst="rect">
             <a:avLst/>
@@ -5333,6 +5477,163 @@
           <p:cNvPr id="2" name="标题 1">
             <a:extLst>
               <a:ext uri="{FF2B5EF4-FFF2-40B4-BE49-F238E27FC236}">
+                <a16:creationId xmlns:a16="http://schemas.microsoft.com/office/drawing/2014/main" id="{467B330C-7C8A-64C3-0F40-6E5954902186}"/>
+              </a:ext>
+            </a:extLst>
+          </p:cNvPr>
+          <p:cNvSpPr>
+            <a:spLocks noGrp="1"/>
+          </p:cNvSpPr>
+          <p:nvPr>
+            <p:ph type="title"/>
+          </p:nvPr>
+        </p:nvSpPr>
+        <p:spPr/>
+        <p:txBody>
+          <a:bodyPr/>
+          <a:lstStyle/>
+          <a:p>
+            <a:r>
+              <a:rPr lang="en-US" altLang="zh-CN" b="0" i="0" dirty="0">
+                <a:solidFill>
+                  <a:srgbClr val="1F1F1F"/>
+                </a:solidFill>
+                <a:effectLst/>
+                <a:latin typeface="Roboto" panose="02000000000000000000" pitchFamily="2" charset="0"/>
+              </a:rPr>
+              <a:t>Data Preprocessing</a:t>
+            </a:r>
+            <a:endParaRPr lang="zh-CN" altLang="en-US" dirty="0"/>
+          </a:p>
+        </p:txBody>
+      </p:sp>
+      <p:sp>
+        <p:nvSpPr>
+          <p:cNvPr id="3" name="内容占位符 2">
+            <a:extLst>
+              <a:ext uri="{FF2B5EF4-FFF2-40B4-BE49-F238E27FC236}">
+                <a16:creationId xmlns:a16="http://schemas.microsoft.com/office/drawing/2014/main" id="{D0E1148D-0E71-661A-D2F5-0E1BC49FBE3D}"/>
+              </a:ext>
+            </a:extLst>
+          </p:cNvPr>
+          <p:cNvSpPr>
+            <a:spLocks noGrp="1"/>
+          </p:cNvSpPr>
+          <p:nvPr>
+            <p:ph idx="1"/>
+          </p:nvPr>
+        </p:nvSpPr>
+        <p:spPr/>
+        <p:txBody>
+          <a:bodyPr/>
+          <a:lstStyle/>
+          <a:p>
+            <a:r>
+              <a:rPr lang="en-US" altLang="zh-CN" dirty="0">
+                <a:solidFill>
+                  <a:srgbClr val="1F1F1F"/>
+                </a:solidFill>
+                <a:latin typeface="Roboto" panose="02000000000000000000" pitchFamily="2" charset="0"/>
+              </a:rPr>
+              <a:t>Data Binning</a:t>
+            </a:r>
+          </a:p>
+          <a:p>
+            <a:pPr marL="0" indent="0">
+              <a:buNone/>
+            </a:pPr>
+            <a:r>
+              <a:rPr lang="en-US" altLang="zh-CN" sz="2800" dirty="0">
+                <a:solidFill>
+                  <a:srgbClr val="1F1F1F"/>
+                </a:solidFill>
+                <a:latin typeface="Roboto" panose="02000000000000000000" pitchFamily="2" charset="0"/>
+              </a:rPr>
+              <a:t> </a:t>
+            </a:r>
+            <a:r>
+              <a:rPr lang="en-US" altLang="zh-CN" sz="2000" dirty="0">
+                <a:solidFill>
+                  <a:srgbClr val="1F1F1F"/>
+                </a:solidFill>
+                <a:latin typeface="Roboto" panose="02000000000000000000" pitchFamily="2" charset="0"/>
+              </a:rPr>
+              <a:t>Equal-width binning and replace with binning column</a:t>
+            </a:r>
+            <a:endParaRPr lang="zh-CN" altLang="en-US" sz="2000" dirty="0">
+              <a:solidFill>
+                <a:srgbClr val="1F1F1F"/>
+              </a:solidFill>
+              <a:latin typeface="Roboto" panose="02000000000000000000" pitchFamily="2" charset="0"/>
+            </a:endParaRPr>
+          </a:p>
+        </p:txBody>
+      </p:sp>
+      <p:pic>
+        <p:nvPicPr>
+          <p:cNvPr id="5" name="图片 4">
+            <a:extLst>
+              <a:ext uri="{FF2B5EF4-FFF2-40B4-BE49-F238E27FC236}">
+                <a16:creationId xmlns:a16="http://schemas.microsoft.com/office/drawing/2014/main" id="{4DAF224E-EA71-CB8D-A3D8-87ABB87CC0E9}"/>
+              </a:ext>
+            </a:extLst>
+          </p:cNvPr>
+          <p:cNvPicPr>
+            <a:picLocks noChangeAspect="1"/>
+          </p:cNvPicPr>
+          <p:nvPr/>
+        </p:nvPicPr>
+        <p:blipFill>
+          <a:blip r:embed="rId2"/>
+          <a:stretch>
+            <a:fillRect/>
+          </a:stretch>
+        </p:blipFill>
+        <p:spPr>
+          <a:xfrm>
+            <a:off x="352425" y="2963545"/>
+            <a:ext cx="11487150" cy="3524250"/>
+          </a:xfrm>
+          <a:prstGeom prst="rect">
+            <a:avLst/>
+          </a:prstGeom>
+        </p:spPr>
+      </p:pic>
+    </p:spTree>
+    <p:extLst>
+      <p:ext uri="{BB962C8B-B14F-4D97-AF65-F5344CB8AC3E}">
+        <p14:creationId xmlns:p14="http://schemas.microsoft.com/office/powerpoint/2010/main" val="3065080074"/>
+      </p:ext>
+    </p:extLst>
+  </p:cSld>
+  <p:clrMapOvr>
+    <a:masterClrMapping/>
+  </p:clrMapOvr>
+</p:sld>
+</file>
+
+<file path=ppt/slides/slide8.xml><?xml version="1.0" encoding="utf-8"?>
+<p:sld xmlns:a="http://schemas.openxmlformats.org/drawingml/2006/main" xmlns:r="http://schemas.openxmlformats.org/officeDocument/2006/relationships" xmlns:p="http://schemas.openxmlformats.org/presentationml/2006/main">
+  <p:cSld>
+    <p:spTree>
+      <p:nvGrpSpPr>
+        <p:cNvPr id="1" name=""/>
+        <p:cNvGrpSpPr/>
+        <p:nvPr/>
+      </p:nvGrpSpPr>
+      <p:grpSpPr>
+        <a:xfrm>
+          <a:off x="0" y="0"/>
+          <a:ext cx="0" cy="0"/>
+          <a:chOff x="0" y="0"/>
+          <a:chExt cx="0" cy="0"/>
+        </a:xfrm>
+      </p:grpSpPr>
+      <p:sp>
+        <p:nvSpPr>
+          <p:cNvPr id="2" name="标题 1">
+            <a:extLst>
+              <a:ext uri="{FF2B5EF4-FFF2-40B4-BE49-F238E27FC236}">
                 <a16:creationId xmlns:a16="http://schemas.microsoft.com/office/drawing/2014/main" id="{31C5B996-8FA2-95DC-2381-BF935D3FDF21}"/>
               </a:ext>
             </a:extLst>
@@ -5501,152 +5802,6 @@
 </p:sld>
 </file>
 
-<file path=ppt/slides/slide8.xml><?xml version="1.0" encoding="utf-8"?>
-<p:sld xmlns:a="http://schemas.openxmlformats.org/drawingml/2006/main" xmlns:r="http://schemas.openxmlformats.org/officeDocument/2006/relationships" xmlns:p="http://schemas.openxmlformats.org/presentationml/2006/main">
-  <p:cSld>
-    <p:spTree>
-      <p:nvGrpSpPr>
-        <p:cNvPr id="1" name=""/>
-        <p:cNvGrpSpPr/>
-        <p:nvPr/>
-      </p:nvGrpSpPr>
-      <p:grpSpPr>
-        <a:xfrm>
-          <a:off x="0" y="0"/>
-          <a:ext cx="0" cy="0"/>
-          <a:chOff x="0" y="0"/>
-          <a:chExt cx="0" cy="0"/>
-        </a:xfrm>
-      </p:grpSpPr>
-      <p:sp>
-        <p:nvSpPr>
-          <p:cNvPr id="2" name="标题 1">
-            <a:extLst>
-              <a:ext uri="{FF2B5EF4-FFF2-40B4-BE49-F238E27FC236}">
-                <a16:creationId xmlns:a16="http://schemas.microsoft.com/office/drawing/2014/main" id="{475E832C-E631-4D45-EE4C-D1D7A89CE8A5}"/>
-              </a:ext>
-            </a:extLst>
-          </p:cNvPr>
-          <p:cNvSpPr>
-            <a:spLocks noGrp="1"/>
-          </p:cNvSpPr>
-          <p:nvPr>
-            <p:ph type="title"/>
-          </p:nvPr>
-        </p:nvSpPr>
-        <p:spPr/>
-        <p:txBody>
-          <a:bodyPr/>
-          <a:lstStyle/>
-          <a:p>
-            <a:r>
-              <a:rPr lang="en-US" altLang="zh-CN" b="0" i="0" dirty="0">
-                <a:solidFill>
-                  <a:srgbClr val="1F1F1F"/>
-                </a:solidFill>
-                <a:effectLst/>
-                <a:latin typeface="Roboto" panose="02000000000000000000" pitchFamily="2" charset="0"/>
-              </a:rPr>
-              <a:t>Modeling</a:t>
-            </a:r>
-            <a:endParaRPr lang="zh-CN" altLang="en-US" dirty="0"/>
-          </a:p>
-        </p:txBody>
-      </p:sp>
-      <p:sp>
-        <p:nvSpPr>
-          <p:cNvPr id="3" name="内容占位符 2">
-            <a:extLst>
-              <a:ext uri="{FF2B5EF4-FFF2-40B4-BE49-F238E27FC236}">
-                <a16:creationId xmlns:a16="http://schemas.microsoft.com/office/drawing/2014/main" id="{51A23CB3-C139-CCC8-E2DE-BE98823BEF7D}"/>
-              </a:ext>
-            </a:extLst>
-          </p:cNvPr>
-          <p:cNvSpPr>
-            <a:spLocks noGrp="1"/>
-          </p:cNvSpPr>
-          <p:nvPr>
-            <p:ph idx="1"/>
-          </p:nvPr>
-        </p:nvSpPr>
-        <p:spPr/>
-        <p:txBody>
-          <a:bodyPr/>
-          <a:lstStyle/>
-          <a:p>
-            <a:r>
-              <a:rPr lang="en-US" altLang="zh-CN" b="0" i="0" dirty="0">
-                <a:solidFill>
-                  <a:srgbClr val="1F1F1F"/>
-                </a:solidFill>
-                <a:effectLst/>
-                <a:latin typeface="Roboto" panose="02000000000000000000" pitchFamily="2" charset="0"/>
-              </a:rPr>
-              <a:t>Splitting the datasets into a training set and a testing set</a:t>
-            </a:r>
-          </a:p>
-          <a:p>
-            <a:r>
-              <a:rPr lang="en-US" altLang="zh-CN" dirty="0">
-                <a:solidFill>
-                  <a:srgbClr val="1F1F1F"/>
-                </a:solidFill>
-                <a:latin typeface="Roboto" panose="02000000000000000000" pitchFamily="2" charset="0"/>
-              </a:rPr>
-              <a:t>We choose 80% as the train dataset, 20% as the test dataset</a:t>
-            </a:r>
-            <a:endParaRPr lang="zh-CN" altLang="en-US" dirty="0">
-              <a:solidFill>
-                <a:srgbClr val="1F1F1F"/>
-              </a:solidFill>
-              <a:latin typeface="Roboto" panose="02000000000000000000" pitchFamily="2" charset="0"/>
-            </a:endParaRPr>
-          </a:p>
-        </p:txBody>
-      </p:sp>
-      <p:pic>
-        <p:nvPicPr>
-          <p:cNvPr id="5" name="图片 4">
-            <a:extLst>
-              <a:ext uri="{FF2B5EF4-FFF2-40B4-BE49-F238E27FC236}">
-                <a16:creationId xmlns:a16="http://schemas.microsoft.com/office/drawing/2014/main" id="{A9FDCC1A-51AD-5D7D-1FA3-4502F2C5C0DC}"/>
-              </a:ext>
-            </a:extLst>
-          </p:cNvPr>
-          <p:cNvPicPr>
-            <a:picLocks noChangeAspect="1"/>
-          </p:cNvPicPr>
-          <p:nvPr/>
-        </p:nvPicPr>
-        <p:blipFill>
-          <a:blip r:embed="rId2"/>
-          <a:stretch>
-            <a:fillRect/>
-          </a:stretch>
-        </p:blipFill>
-        <p:spPr>
-          <a:xfrm>
-            <a:off x="838200" y="3200400"/>
-            <a:ext cx="8677275" cy="1371600"/>
-          </a:xfrm>
-          <a:prstGeom prst="rect">
-            <a:avLst/>
-          </a:prstGeom>
-        </p:spPr>
-      </p:pic>
-    </p:spTree>
-    <p:extLst>
-      <p:ext uri="{BB962C8B-B14F-4D97-AF65-F5344CB8AC3E}">
-        <p14:creationId xmlns:p14="http://schemas.microsoft.com/office/powerpoint/2010/main" val="559545783"/>
-      </p:ext>
-    </p:extLst>
-  </p:cSld>
-  <p:clrMapOvr>
-    <a:masterClrMapping/>
-  </p:clrMapOvr>
-</p:sld>
-</file>
-
 <file path=ppt/slides/slide9.xml><?xml version="1.0" encoding="utf-8"?>
 <p:sld xmlns:a="http://schemas.openxmlformats.org/drawingml/2006/main" xmlns:r="http://schemas.openxmlformats.org/officeDocument/2006/relationships" xmlns:p="http://schemas.openxmlformats.org/presentationml/2006/main">
   <p:cSld>
@@ -5669,7 +5824,7 @@
           <p:cNvPr id="2" name="标题 1">
             <a:extLst>
               <a:ext uri="{FF2B5EF4-FFF2-40B4-BE49-F238E27FC236}">
-                <a16:creationId xmlns:a16="http://schemas.microsoft.com/office/drawing/2014/main" id="{9EDE6727-A7E9-9ACC-B30B-5DFB453388F8}"/>
+                <a16:creationId xmlns:a16="http://schemas.microsoft.com/office/drawing/2014/main" id="{475E832C-E631-4D45-EE4C-D1D7A89CE8A5}"/>
               </a:ext>
             </a:extLst>
           </p:cNvPr>
@@ -5686,16 +5841,6 @@
           <a:lstStyle/>
           <a:p>
             <a:r>
-              <a:rPr lang="en-US" altLang="zh-CN" b="1" i="0" dirty="0">
-                <a:solidFill>
-                  <a:srgbClr val="1F1F1F"/>
-                </a:solidFill>
-                <a:effectLst/>
-                <a:latin typeface="Roboto" panose="02000000000000000000" pitchFamily="2" charset="0"/>
-              </a:rPr>
-              <a:t>Dimensionality Reduction</a:t>
-            </a:r>
-            <a:br>
               <a:rPr lang="en-US" altLang="zh-CN" b="0" i="0" dirty="0">
                 <a:solidFill>
                   <a:srgbClr val="1F1F1F"/>
@@ -5703,7 +5848,8 @@
                 <a:effectLst/>
                 <a:latin typeface="Roboto" panose="02000000000000000000" pitchFamily="2" charset="0"/>
               </a:rPr>
-            </a:br>
+              <a:t>Modeling</a:t>
+            </a:r>
             <a:endParaRPr lang="zh-CN" altLang="en-US" dirty="0"/>
           </a:p>
         </p:txBody>
@@ -5713,7 +5859,7 @@
           <p:cNvPr id="3" name="内容占位符 2">
             <a:extLst>
               <a:ext uri="{FF2B5EF4-FFF2-40B4-BE49-F238E27FC236}">
-                <a16:creationId xmlns:a16="http://schemas.microsoft.com/office/drawing/2014/main" id="{90081D6D-DBA6-C4D7-4764-9C15BDC44BCB}"/>
+                <a16:creationId xmlns:a16="http://schemas.microsoft.com/office/drawing/2014/main" id="{51A23CB3-C139-CCC8-E2DE-BE98823BEF7D}"/>
               </a:ext>
             </a:extLst>
           </p:cNvPr>
@@ -5728,6 +5874,18 @@
         <p:txBody>
           <a:bodyPr/>
           <a:lstStyle/>
+          <a:p>
+            <a:r>
+              <a:rPr lang="en-US" altLang="zh-CN" b="0" i="0" dirty="0">
+                <a:solidFill>
+                  <a:srgbClr val="1F1F1F"/>
+                </a:solidFill>
+                <a:effectLst/>
+                <a:latin typeface="Roboto" panose="02000000000000000000" pitchFamily="2" charset="0"/>
+              </a:rPr>
+              <a:t>Splitting the datasets into a training set and a testing set</a:t>
+            </a:r>
+          </a:p>
           <a:p>
             <a:r>
               <a:rPr lang="en-US" altLang="zh-CN" dirty="0">
@@ -5736,7 +5894,7 @@
                 </a:solidFill>
                 <a:latin typeface="Roboto" panose="02000000000000000000" pitchFamily="2" charset="0"/>
               </a:rPr>
-              <a:t>PCA3D</a:t>
+              <a:t>We choose 70% as the train dataset, 30% as the test dataset</a:t>
             </a:r>
             <a:endParaRPr lang="zh-CN" altLang="en-US" dirty="0">
               <a:solidFill>
@@ -5749,10 +5907,10 @@
       </p:sp>
       <p:pic>
         <p:nvPicPr>
-          <p:cNvPr id="5" name="图片 4">
-            <a:extLst>
-              <a:ext uri="{FF2B5EF4-FFF2-40B4-BE49-F238E27FC236}">
-                <a16:creationId xmlns:a16="http://schemas.microsoft.com/office/drawing/2014/main" id="{C6C2E229-8F07-6616-9169-A0B3CEF0B132}"/>
+          <p:cNvPr id="6" name="图片 5">
+            <a:extLst>
+              <a:ext uri="{FF2B5EF4-FFF2-40B4-BE49-F238E27FC236}">
+                <a16:creationId xmlns:a16="http://schemas.microsoft.com/office/drawing/2014/main" id="{13CB3CEF-5F1D-9886-4B19-16D4DCAA7AB0}"/>
               </a:ext>
             </a:extLst>
           </p:cNvPr>
@@ -5762,21 +5920,15 @@
           <p:nvPr/>
         </p:nvPicPr>
         <p:blipFill>
-          <a:blip r:embed="rId2">
-            <a:extLst>
-              <a:ext uri="{28A0092B-C50C-407E-A947-70E740481C1C}">
-                <a14:useLocalDpi xmlns:a14="http://schemas.microsoft.com/office/drawing/2010/main" val="0"/>
-              </a:ext>
-            </a:extLst>
-          </a:blip>
+          <a:blip r:embed="rId2"/>
           <a:stretch>
             <a:fillRect/>
           </a:stretch>
         </p:blipFill>
         <p:spPr>
           <a:xfrm>
-            <a:off x="838200" y="2405882"/>
-            <a:ext cx="4650021" cy="3906018"/>
+            <a:off x="3114675" y="2997200"/>
+            <a:ext cx="5962650" cy="3495675"/>
           </a:xfrm>
           <a:prstGeom prst="rect">
             <a:avLst/>
@@ -5786,7 +5938,7 @@
     </p:spTree>
     <p:extLst>
       <p:ext uri="{BB962C8B-B14F-4D97-AF65-F5344CB8AC3E}">
-        <p14:creationId xmlns:p14="http://schemas.microsoft.com/office/powerpoint/2010/main" val="2566350661"/>
+        <p14:creationId xmlns:p14="http://schemas.microsoft.com/office/powerpoint/2010/main" val="559545783"/>
       </p:ext>
     </p:extLst>
   </p:cSld>

--- a/machine learning.pptx
+++ b/machine learning.pptx
@@ -5212,17 +5212,13 @@
               <a:buNone/>
             </a:pPr>
             <a:r>
-              <a:rPr lang="zh-CN" altLang="en-US" dirty="0"/>
-              <a:t>  </a:t>
-            </a:r>
-            <a:r>
               <a:rPr lang="en-US" altLang="zh-CN" sz="2000" dirty="0">
                 <a:solidFill>
                   <a:srgbClr val="1F1F1F"/>
                 </a:solidFill>
                 <a:latin typeface="Roboto" panose="02000000000000000000" pitchFamily="2" charset="0"/>
               </a:rPr>
-              <a:t>Use Pairwise Deletion and Mean Imputation</a:t>
+              <a:t>    Ordinal Encoding and One hot Encoding</a:t>
             </a:r>
           </a:p>
           <a:p>
